--- a/paper/figs/workflow.pptx
+++ b/paper/figs/workflow.pptx
@@ -6,7 +6,6 @@
   </p:sldMasterIdLst>
   <p:sldIdLst>
     <p:sldId id="257" r:id="rId2"/>
-    <p:sldId id="258" r:id="rId3"/>
   </p:sldIdLst>
   <p:sldSz cx="12192000" cy="6858000"/>
   <p:notesSz cx="6858000" cy="9144000"/>
@@ -3004,6 +3003,14 @@
               <a:t>Task </a:t>
             </a:r>
           </a:p>
+          <a:p>
+            <a:pPr algn="ctr"/>
+            <a:r>
+              <a:rPr lang="en-US" dirty="0" smtClean="0"/>
+              <a:t>Interface</a:t>
+            </a:r>
+            <a:endParaRPr lang="en-US" dirty="0" smtClean="0"/>
+          </a:p>
         </p:txBody>
       </p:sp>
       <p:sp>
@@ -3093,6 +3100,14 @@
               <a:rPr lang="en-US" dirty="0" smtClean="0"/>
               <a:t>Interaction</a:t>
             </a:r>
+          </a:p>
+          <a:p>
+            <a:pPr algn="ctr"/>
+            <a:r>
+              <a:rPr lang="en-US" dirty="0" smtClean="0"/>
+              <a:t>Interface</a:t>
+            </a:r>
+            <a:endParaRPr lang="en-US" dirty="0" smtClean="0"/>
           </a:p>
         </p:txBody>
       </p:sp>
@@ -3273,7 +3288,7 @@
             <a:pPr algn="ctr"/>
             <a:r>
               <a:rPr lang="en-US" dirty="0" smtClean="0"/>
-              <a:t>display</a:t>
+              <a:t>visualize</a:t>
             </a:r>
             <a:endParaRPr lang="en-US" dirty="0" smtClean="0"/>
           </a:p>
@@ -3542,157 +3557,6 @@
     <p:extLst>
       <p:ext uri="{BB962C8B-B14F-4D97-AF65-F5344CB8AC3E}">
         <p14:creationId xmlns:p14="http://schemas.microsoft.com/office/powerpoint/2010/main" val="3222001699"/>
-      </p:ext>
-    </p:extLst>
-  </p:cSld>
-  <p:clrMapOvr>
-    <a:masterClrMapping/>
-  </p:clrMapOvr>
-  <p:timing>
-    <p:tnLst>
-      <p:par>
-        <p:cTn id="1" dur="indefinite" restart="never" nodeType="tmRoot"/>
-      </p:par>
-    </p:tnLst>
-  </p:timing>
-</p:sld>
-</file>
-
-<file path=ppt/slides/slide2.xml><?xml version="1.0" encoding="utf-8"?>
-<p:sld xmlns:a="http://schemas.openxmlformats.org/drawingml/2006/main" xmlns:r="http://schemas.openxmlformats.org/officeDocument/2006/relationships" xmlns:p="http://schemas.openxmlformats.org/presentationml/2006/main">
-  <p:cSld>
-    <p:spTree>
-      <p:nvGrpSpPr>
-        <p:cNvPr id="1" name=""/>
-        <p:cNvGrpSpPr/>
-        <p:nvPr/>
-      </p:nvGrpSpPr>
-      <p:grpSpPr>
-        <a:xfrm>
-          <a:off x="0" y="0"/>
-          <a:ext cx="0" cy="0"/>
-          <a:chOff x="0" y="0"/>
-          <a:chExt cx="0" cy="0"/>
-        </a:xfrm>
-      </p:grpSpPr>
-      <p:pic>
-        <p:nvPicPr>
-          <p:cNvPr id="4" name="Picture 3"/>
-          <p:cNvPicPr>
-            <a:picLocks noChangeAspect="1"/>
-          </p:cNvPicPr>
-          <p:nvPr/>
-        </p:nvPicPr>
-        <p:blipFill>
-          <a:blip r:embed="rId2" cstate="print">
-            <a:extLst>
-              <a:ext uri="{28A0092B-C50C-407E-A947-70E740481C1C}">
-                <a14:useLocalDpi xmlns:a14="http://schemas.microsoft.com/office/drawing/2010/main" val="0"/>
-              </a:ext>
-            </a:extLst>
-          </a:blip>
-          <a:stretch>
-            <a:fillRect/>
-          </a:stretch>
-        </p:blipFill>
-        <p:spPr>
-          <a:xfrm>
-            <a:off x="4734977" y="907200"/>
-            <a:ext cx="4545285" cy="3344400"/>
-          </a:xfrm>
-          <a:prstGeom prst="rect">
-            <a:avLst/>
-          </a:prstGeom>
-        </p:spPr>
-      </p:pic>
-      <p:pic>
-        <p:nvPicPr>
-          <p:cNvPr id="7" name="Picture 6"/>
-          <p:cNvPicPr>
-            <a:picLocks noChangeAspect="1"/>
-          </p:cNvPicPr>
-          <p:nvPr/>
-        </p:nvPicPr>
-        <p:blipFill>
-          <a:blip r:embed="rId3"/>
-          <a:stretch>
-            <a:fillRect/>
-          </a:stretch>
-        </p:blipFill>
-        <p:spPr>
-          <a:xfrm>
-            <a:off x="2277756" y="907200"/>
-            <a:ext cx="2098943" cy="3344400"/>
-          </a:xfrm>
-          <a:prstGeom prst="rect">
-            <a:avLst/>
-          </a:prstGeom>
-        </p:spPr>
-      </p:pic>
-      <p:sp>
-        <p:nvSpPr>
-          <p:cNvPr id="8" name="Rectangle 7"/>
-          <p:cNvSpPr/>
-          <p:nvPr/>
-        </p:nvSpPr>
-        <p:spPr>
-          <a:xfrm>
-            <a:off x="2802713" y="4324044"/>
-            <a:ext cx="1252800" cy="369332"/>
-          </a:xfrm>
-          <a:prstGeom prst="rect">
-            <a:avLst/>
-          </a:prstGeom>
-        </p:spPr>
-        <p:txBody>
-          <a:bodyPr wrap="square">
-            <a:spAutoFit/>
-          </a:bodyPr>
-          <a:lstStyle/>
-          <a:p>
-            <a:pPr algn="ctr"/>
-            <a:r>
-              <a:rPr lang="en-US" dirty="0" smtClean="0"/>
-              <a:t>(a) before</a:t>
-            </a:r>
-            <a:endParaRPr lang="en-US" dirty="0" smtClean="0"/>
-          </a:p>
-        </p:txBody>
-      </p:sp>
-      <p:sp>
-        <p:nvSpPr>
-          <p:cNvPr id="9" name="Rectangle 8"/>
-          <p:cNvSpPr/>
-          <p:nvPr/>
-        </p:nvSpPr>
-        <p:spPr>
-          <a:xfrm>
-            <a:off x="6324713" y="4324044"/>
-            <a:ext cx="1252800" cy="369332"/>
-          </a:xfrm>
-          <a:prstGeom prst="rect">
-            <a:avLst/>
-          </a:prstGeom>
-        </p:spPr>
-        <p:txBody>
-          <a:bodyPr wrap="square">
-            <a:spAutoFit/>
-          </a:bodyPr>
-          <a:lstStyle/>
-          <a:p>
-            <a:pPr algn="ctr"/>
-            <a:r>
-              <a:rPr lang="en-US" dirty="0" smtClean="0"/>
-              <a:t>(b) after</a:t>
-            </a:r>
-            <a:endParaRPr lang="en-US" dirty="0" smtClean="0"/>
-          </a:p>
-        </p:txBody>
-      </p:sp>
-    </p:spTree>
-    <p:extLst>
-      <p:ext uri="{BB962C8B-B14F-4D97-AF65-F5344CB8AC3E}">
-        <p14:creationId xmlns:p14="http://schemas.microsoft.com/office/powerpoint/2010/main" val="1177609961"/>
       </p:ext>
     </p:extLst>
   </p:cSld>
